--- a/teste0/01. Pre-Classic/03. rd-132211/AABB - Axis Aling Bound Box.pptx
+++ b/teste0/01. Pre-Classic/03. rd-132211/AABB - Axis Aling Bound Box.pptx
@@ -6,22 +6,23 @@
   </p:sldMasterIdLst>
   <p:sldIdLst>
     <p:sldId id="256" r:id="rId2"/>
-    <p:sldId id="259" r:id="rId3"/>
-    <p:sldId id="262" r:id="rId4"/>
-    <p:sldId id="263" r:id="rId5"/>
-    <p:sldId id="260" r:id="rId6"/>
-    <p:sldId id="261" r:id="rId7"/>
-    <p:sldId id="264" r:id="rId8"/>
-    <p:sldId id="265" r:id="rId9"/>
-    <p:sldId id="266" r:id="rId10"/>
-    <p:sldId id="268" r:id="rId11"/>
-    <p:sldId id="269" r:id="rId12"/>
-    <p:sldId id="270" r:id="rId13"/>
-    <p:sldId id="271" r:id="rId14"/>
-    <p:sldId id="272" r:id="rId15"/>
-    <p:sldId id="258" r:id="rId16"/>
-    <p:sldId id="257" r:id="rId17"/>
-    <p:sldId id="267" r:id="rId18"/>
+    <p:sldId id="273" r:id="rId3"/>
+    <p:sldId id="259" r:id="rId4"/>
+    <p:sldId id="262" r:id="rId5"/>
+    <p:sldId id="263" r:id="rId6"/>
+    <p:sldId id="260" r:id="rId7"/>
+    <p:sldId id="261" r:id="rId8"/>
+    <p:sldId id="264" r:id="rId9"/>
+    <p:sldId id="265" r:id="rId10"/>
+    <p:sldId id="266" r:id="rId11"/>
+    <p:sldId id="268" r:id="rId12"/>
+    <p:sldId id="269" r:id="rId13"/>
+    <p:sldId id="270" r:id="rId14"/>
+    <p:sldId id="271" r:id="rId15"/>
+    <p:sldId id="272" r:id="rId16"/>
+    <p:sldId id="258" r:id="rId17"/>
+    <p:sldId id="257" r:id="rId18"/>
+    <p:sldId id="267" r:id="rId19"/>
   </p:sldIdLst>
   <p:sldSz cx="12192000" cy="6858000"/>
   <p:notesSz cx="6858000" cy="9144000"/>
@@ -120,6 +121,11 @@
       </a:defRPr>
     </a:lvl9pPr>
   </p:defaultTextStyle>
+  <p:extLst>
+    <p:ext uri="{EFAFB233-063F-42B5-8137-9DF3F51BA10A}">
+      <p15:sldGuideLst xmlns:p15="http://schemas.microsoft.com/office/powerpoint/2012/main"/>
+    </p:ext>
+  </p:extLst>
 </p:presentation>
 </file>
 
@@ -270,7 +276,7 @@
           <a:p>
             <a:fld id="{95E1BF4C-4A99-4CB4-8161-D7A712F8062E}" type="datetimeFigureOut">
               <a:rPr lang="pt-BR" smtClean="0"/>
-              <a:t>22/02/2025</a:t>
+              <a:t>24/02/2025</a:t>
             </a:fld>
             <a:endParaRPr lang="pt-BR"/>
           </a:p>
@@ -468,7 +474,7 @@
           <a:p>
             <a:fld id="{95E1BF4C-4A99-4CB4-8161-D7A712F8062E}" type="datetimeFigureOut">
               <a:rPr lang="pt-BR" smtClean="0"/>
-              <a:t>22/02/2025</a:t>
+              <a:t>24/02/2025</a:t>
             </a:fld>
             <a:endParaRPr lang="pt-BR"/>
           </a:p>
@@ -676,7 +682,7 @@
           <a:p>
             <a:fld id="{95E1BF4C-4A99-4CB4-8161-D7A712F8062E}" type="datetimeFigureOut">
               <a:rPr lang="pt-BR" smtClean="0"/>
-              <a:t>22/02/2025</a:t>
+              <a:t>24/02/2025</a:t>
             </a:fld>
             <a:endParaRPr lang="pt-BR"/>
           </a:p>
@@ -874,7 +880,7 @@
           <a:p>
             <a:fld id="{95E1BF4C-4A99-4CB4-8161-D7A712F8062E}" type="datetimeFigureOut">
               <a:rPr lang="pt-BR" smtClean="0"/>
-              <a:t>22/02/2025</a:t>
+              <a:t>24/02/2025</a:t>
             </a:fld>
             <a:endParaRPr lang="pt-BR"/>
           </a:p>
@@ -1149,7 +1155,7 @@
           <a:p>
             <a:fld id="{95E1BF4C-4A99-4CB4-8161-D7A712F8062E}" type="datetimeFigureOut">
               <a:rPr lang="pt-BR" smtClean="0"/>
-              <a:t>22/02/2025</a:t>
+              <a:t>24/02/2025</a:t>
             </a:fld>
             <a:endParaRPr lang="pt-BR"/>
           </a:p>
@@ -1414,7 +1420,7 @@
           <a:p>
             <a:fld id="{95E1BF4C-4A99-4CB4-8161-D7A712F8062E}" type="datetimeFigureOut">
               <a:rPr lang="pt-BR" smtClean="0"/>
-              <a:t>22/02/2025</a:t>
+              <a:t>24/02/2025</a:t>
             </a:fld>
             <a:endParaRPr lang="pt-BR"/>
           </a:p>
@@ -1826,7 +1832,7 @@
           <a:p>
             <a:fld id="{95E1BF4C-4A99-4CB4-8161-D7A712F8062E}" type="datetimeFigureOut">
               <a:rPr lang="pt-BR" smtClean="0"/>
-              <a:t>22/02/2025</a:t>
+              <a:t>24/02/2025</a:t>
             </a:fld>
             <a:endParaRPr lang="pt-BR"/>
           </a:p>
@@ -1967,7 +1973,7 @@
           <a:p>
             <a:fld id="{95E1BF4C-4A99-4CB4-8161-D7A712F8062E}" type="datetimeFigureOut">
               <a:rPr lang="pt-BR" smtClean="0"/>
-              <a:t>22/02/2025</a:t>
+              <a:t>24/02/2025</a:t>
             </a:fld>
             <a:endParaRPr lang="pt-BR"/>
           </a:p>
@@ -2080,7 +2086,7 @@
           <a:p>
             <a:fld id="{95E1BF4C-4A99-4CB4-8161-D7A712F8062E}" type="datetimeFigureOut">
               <a:rPr lang="pt-BR" smtClean="0"/>
-              <a:t>22/02/2025</a:t>
+              <a:t>24/02/2025</a:t>
             </a:fld>
             <a:endParaRPr lang="pt-BR"/>
           </a:p>
@@ -2391,7 +2397,7 @@
           <a:p>
             <a:fld id="{95E1BF4C-4A99-4CB4-8161-D7A712F8062E}" type="datetimeFigureOut">
               <a:rPr lang="pt-BR" smtClean="0"/>
-              <a:t>22/02/2025</a:t>
+              <a:t>24/02/2025</a:t>
             </a:fld>
             <a:endParaRPr lang="pt-BR"/>
           </a:p>
@@ -2679,7 +2685,7 @@
           <a:p>
             <a:fld id="{95E1BF4C-4A99-4CB4-8161-D7A712F8062E}" type="datetimeFigureOut">
               <a:rPr lang="pt-BR" smtClean="0"/>
-              <a:t>22/02/2025</a:t>
+              <a:t>24/02/2025</a:t>
             </a:fld>
             <a:endParaRPr lang="pt-BR"/>
           </a:p>
@@ -2920,7 +2926,7 @@
           <a:p>
             <a:fld id="{95E1BF4C-4A99-4CB4-8161-D7A712F8062E}" type="datetimeFigureOut">
               <a:rPr lang="pt-BR" smtClean="0"/>
-              <a:t>22/02/2025</a:t>
+              <a:t>24/02/2025</a:t>
             </a:fld>
             <a:endParaRPr lang="pt-BR"/>
           </a:p>
@@ -3323,17 +3329,6 @@
 <file path=ppt/slides/slide1.xml><?xml version="1.0" encoding="utf-8"?>
 <p:sld xmlns:a="http://schemas.openxmlformats.org/drawingml/2006/main" xmlns:r="http://schemas.openxmlformats.org/officeDocument/2006/relationships" xmlns:p="http://schemas.openxmlformats.org/presentationml/2006/main">
   <p:cSld>
-    <p:bg>
-      <p:bgPr>
-        <a:solidFill>
-          <a:schemeClr val="tx1">
-            <a:lumMod val="95000"/>
-            <a:lumOff val="5000"/>
-          </a:schemeClr>
-        </a:solidFill>
-        <a:effectLst/>
-      </p:bgPr>
-    </p:bg>
     <p:spTree>
       <p:nvGrpSpPr>
         <p:cNvPr id="1" name=""/>
@@ -3364,17 +3359,342 @@
 <file path=ppt/slides/slide10.xml><?xml version="1.0" encoding="utf-8"?>
 <p:sld xmlns:a="http://schemas.openxmlformats.org/drawingml/2006/main" xmlns:r="http://schemas.openxmlformats.org/officeDocument/2006/relationships" xmlns:p="http://schemas.openxmlformats.org/presentationml/2006/main">
   <p:cSld>
-    <p:bg>
-      <p:bgPr>
-        <a:solidFill>
-          <a:schemeClr val="tx1">
-            <a:lumMod val="95000"/>
-            <a:lumOff val="5000"/>
-          </a:schemeClr>
-        </a:solidFill>
-        <a:effectLst/>
-      </p:bgPr>
-    </p:bg>
+    <p:spTree>
+      <p:nvGrpSpPr>
+        <p:cNvPr id="1" name="">
+          <a:extLst>
+            <a:ext uri="{FF2B5EF4-FFF2-40B4-BE49-F238E27FC236}">
+              <a16:creationId xmlns:a16="http://schemas.microsoft.com/office/drawing/2014/main" id="{AF0D9FBF-6BA3-18D9-3A92-ECE48293687E}"/>
+            </a:ext>
+          </a:extLst>
+        </p:cNvPr>
+        <p:cNvGrpSpPr/>
+        <p:nvPr/>
+      </p:nvGrpSpPr>
+      <p:grpSpPr>
+        <a:xfrm>
+          <a:off x="0" y="0"/>
+          <a:ext cx="0" cy="0"/>
+          <a:chOff x="0" y="0"/>
+          <a:chExt cx="0" cy="0"/>
+        </a:xfrm>
+      </p:grpSpPr>
+      <p:sp>
+        <p:nvSpPr>
+          <p:cNvPr id="6" name="Retângulo 5">
+            <a:extLst>
+              <a:ext uri="{FF2B5EF4-FFF2-40B4-BE49-F238E27FC236}">
+                <a16:creationId xmlns:a16="http://schemas.microsoft.com/office/drawing/2014/main" id="{56E5C655-34DF-016C-C3E9-62C1CF003372}"/>
+              </a:ext>
+            </a:extLst>
+          </p:cNvPr>
+          <p:cNvSpPr/>
+          <p:nvPr/>
+        </p:nvSpPr>
+        <p:spPr>
+          <a:xfrm>
+            <a:off x="0" y="0"/>
+            <a:ext cx="12192000" cy="6858000"/>
+          </a:xfrm>
+          <a:prstGeom prst="rect">
+            <a:avLst/>
+          </a:prstGeom>
+          <a:solidFill>
+            <a:schemeClr val="tx1">
+              <a:lumMod val="95000"/>
+              <a:lumOff val="5000"/>
+            </a:schemeClr>
+          </a:solidFill>
+          <a:ln>
+            <a:noFill/>
+          </a:ln>
+        </p:spPr>
+        <p:style>
+          <a:lnRef idx="2">
+            <a:schemeClr val="accent1">
+              <a:shade val="15000"/>
+            </a:schemeClr>
+          </a:lnRef>
+          <a:fillRef idx="1">
+            <a:schemeClr val="accent1"/>
+          </a:fillRef>
+          <a:effectRef idx="0">
+            <a:schemeClr val="accent1"/>
+          </a:effectRef>
+          <a:fontRef idx="minor">
+            <a:schemeClr val="lt1"/>
+          </a:fontRef>
+        </p:style>
+        <p:txBody>
+          <a:bodyPr rtlCol="0" anchor="ctr"/>
+          <a:lstStyle/>
+          <a:p>
+            <a:pPr algn="ctr"/>
+            <a:endParaRPr lang="pt-BR"/>
+          </a:p>
+        </p:txBody>
+      </p:sp>
+      <p:sp>
+        <p:nvSpPr>
+          <p:cNvPr id="2" name="Retângulo 1">
+            <a:extLst>
+              <a:ext uri="{FF2B5EF4-FFF2-40B4-BE49-F238E27FC236}">
+                <a16:creationId xmlns:a16="http://schemas.microsoft.com/office/drawing/2014/main" id="{2BBDA9C9-2DE8-F600-701D-2650E6138D13}"/>
+              </a:ext>
+            </a:extLst>
+          </p:cNvPr>
+          <p:cNvSpPr/>
+          <p:nvPr/>
+        </p:nvSpPr>
+        <p:spPr>
+          <a:xfrm>
+            <a:off x="2367848" y="991800"/>
+            <a:ext cx="2437200" cy="4874400"/>
+          </a:xfrm>
+          <a:prstGeom prst="rect">
+            <a:avLst/>
+          </a:prstGeom>
+          <a:noFill/>
+          <a:ln w="38100">
+            <a:solidFill>
+              <a:schemeClr val="bg1"/>
+            </a:solidFill>
+            <a:prstDash val="dash"/>
+          </a:ln>
+        </p:spPr>
+        <p:style>
+          <a:lnRef idx="2">
+            <a:schemeClr val="accent1">
+              <a:shade val="15000"/>
+            </a:schemeClr>
+          </a:lnRef>
+          <a:fillRef idx="1">
+            <a:schemeClr val="accent1"/>
+          </a:fillRef>
+          <a:effectRef idx="0">
+            <a:schemeClr val="accent1"/>
+          </a:effectRef>
+          <a:fontRef idx="minor">
+            <a:schemeClr val="lt1"/>
+          </a:fontRef>
+        </p:style>
+        <p:txBody>
+          <a:bodyPr rtlCol="0" anchor="ctr"/>
+          <a:lstStyle/>
+          <a:p>
+            <a:pPr algn="ctr"/>
+            <a:endParaRPr lang="pt-BR"/>
+          </a:p>
+        </p:txBody>
+      </p:sp>
+      <p:pic>
+        <p:nvPicPr>
+          <p:cNvPr id="3" name="Imagem 2" descr="Uma imagem contendo Código QR&#10;&#10;O conteúdo gerado por IA pode estar incorreto.">
+            <a:extLst>
+              <a:ext uri="{FF2B5EF4-FFF2-40B4-BE49-F238E27FC236}">
+                <a16:creationId xmlns:a16="http://schemas.microsoft.com/office/drawing/2014/main" id="{2B56E174-0421-508D-7268-71822EE95CF2}"/>
+              </a:ext>
+            </a:extLst>
+          </p:cNvPr>
+          <p:cNvPicPr>
+            <a:picLocks noChangeAspect="1"/>
+          </p:cNvPicPr>
+          <p:nvPr/>
+        </p:nvPicPr>
+        <p:blipFill>
+          <a:blip r:embed="rId2">
+            <a:extLst>
+              <a:ext uri="{28A0092B-C50C-407E-A947-70E740481C1C}">
+                <a14:useLocalDpi xmlns:a14="http://schemas.microsoft.com/office/drawing/2010/main" val="0"/>
+              </a:ext>
+            </a:extLst>
+          </a:blip>
+          <a:stretch>
+            <a:fillRect/>
+          </a:stretch>
+        </p:blipFill>
+        <p:spPr>
+          <a:xfrm>
+            <a:off x="7227836" y="2209630"/>
+            <a:ext cx="2438740" cy="2438740"/>
+          </a:xfrm>
+          <a:prstGeom prst="rect">
+            <a:avLst/>
+          </a:prstGeom>
+        </p:spPr>
+      </p:pic>
+      <p:cxnSp>
+        <p:nvCxnSpPr>
+          <p:cNvPr id="5" name="Conector reto 4">
+            <a:extLst>
+              <a:ext uri="{FF2B5EF4-FFF2-40B4-BE49-F238E27FC236}">
+                <a16:creationId xmlns:a16="http://schemas.microsoft.com/office/drawing/2014/main" id="{88678188-BFF2-51A5-FA8D-D18F3BC123BB}"/>
+              </a:ext>
+            </a:extLst>
+          </p:cNvPr>
+          <p:cNvCxnSpPr>
+            <a:cxnSpLocks/>
+          </p:cNvCxnSpPr>
+          <p:nvPr/>
+        </p:nvCxnSpPr>
+        <p:spPr>
+          <a:xfrm flipH="1" flipV="1">
+            <a:off x="0" y="5859131"/>
+            <a:ext cx="12386824" cy="7071"/>
+          </a:xfrm>
+          <a:prstGeom prst="line">
+            <a:avLst/>
+          </a:prstGeom>
+          <a:ln w="38100">
+            <a:solidFill>
+              <a:srgbClr val="FFFF00"/>
+            </a:solidFill>
+            <a:prstDash val="dash"/>
+          </a:ln>
+        </p:spPr>
+        <p:style>
+          <a:lnRef idx="2">
+            <a:schemeClr val="accent1"/>
+          </a:lnRef>
+          <a:fillRef idx="0">
+            <a:schemeClr val="accent1"/>
+          </a:fillRef>
+          <a:effectRef idx="1">
+            <a:schemeClr val="accent1"/>
+          </a:effectRef>
+          <a:fontRef idx="minor">
+            <a:schemeClr val="tx1"/>
+          </a:fontRef>
+        </p:style>
+      </p:cxnSp>
+      <p:cxnSp>
+        <p:nvCxnSpPr>
+          <p:cNvPr id="9" name="Conector de Seta Reta 8">
+            <a:extLst>
+              <a:ext uri="{FF2B5EF4-FFF2-40B4-BE49-F238E27FC236}">
+                <a16:creationId xmlns:a16="http://schemas.microsoft.com/office/drawing/2014/main" id="{57F2CD9B-28F6-A8BC-FB4F-64A95E7E1CDD}"/>
+              </a:ext>
+            </a:extLst>
+          </p:cNvPr>
+          <p:cNvCxnSpPr>
+            <a:cxnSpLocks/>
+          </p:cNvCxnSpPr>
+          <p:nvPr/>
+        </p:nvCxnSpPr>
+        <p:spPr>
+          <a:xfrm rot="5400000" flipV="1">
+            <a:off x="2143207" y="5643918"/>
+            <a:ext cx="0" cy="449281"/>
+          </a:xfrm>
+          <a:prstGeom prst="straightConnector1">
+            <a:avLst/>
+          </a:prstGeom>
+          <a:ln w="76200">
+            <a:solidFill>
+              <a:srgbClr val="FFFF00"/>
+            </a:solidFill>
+            <a:tailEnd type="triangle"/>
+          </a:ln>
+        </p:spPr>
+        <p:style>
+          <a:lnRef idx="2">
+            <a:schemeClr val="accent1"/>
+          </a:lnRef>
+          <a:fillRef idx="0">
+            <a:schemeClr val="accent1"/>
+          </a:fillRef>
+          <a:effectRef idx="1">
+            <a:schemeClr val="accent1"/>
+          </a:effectRef>
+          <a:fontRef idx="minor">
+            <a:schemeClr val="tx1"/>
+          </a:fontRef>
+        </p:style>
+      </p:cxnSp>
+      <p:sp>
+        <p:nvSpPr>
+          <p:cNvPr id="12" name="CaixaDeTexto 11">
+            <a:extLst>
+              <a:ext uri="{FF2B5EF4-FFF2-40B4-BE49-F238E27FC236}">
+                <a16:creationId xmlns:a16="http://schemas.microsoft.com/office/drawing/2014/main" id="{0504F15F-00C9-8C55-2E5C-0B882292672C}"/>
+              </a:ext>
+            </a:extLst>
+          </p:cNvPr>
+          <p:cNvSpPr txBox="1"/>
+          <p:nvPr/>
+        </p:nvSpPr>
+        <p:spPr>
+          <a:xfrm>
+            <a:off x="277952" y="6147789"/>
+            <a:ext cx="3730509" cy="369332"/>
+          </a:xfrm>
+          <a:prstGeom prst="rect">
+            <a:avLst/>
+          </a:prstGeom>
+          <a:noFill/>
+        </p:spPr>
+        <p:txBody>
+          <a:bodyPr wrap="none" rtlCol="0">
+            <a:spAutoFit/>
+          </a:bodyPr>
+          <a:lstStyle/>
+          <a:p>
+            <a:pPr algn="ctr"/>
+            <a:r>
+              <a:rPr lang="pt-BR" dirty="0" err="1">
+                <a:solidFill>
+                  <a:srgbClr val="FFFF00"/>
+                </a:solidFill>
+                <a:latin typeface="Consolas" panose="020B0609020204030204" pitchFamily="49" charset="0"/>
+              </a:rPr>
+              <a:t>PlayerPosY</a:t>
+            </a:r>
+            <a:r>
+              <a:rPr lang="pt-BR" dirty="0">
+                <a:solidFill>
+                  <a:srgbClr val="FFFF00"/>
+                </a:solidFill>
+                <a:latin typeface="Consolas" panose="020B0609020204030204" pitchFamily="49" charset="0"/>
+              </a:rPr>
+              <a:t> - </a:t>
+            </a:r>
+            <a:r>
+              <a:rPr lang="pt-BR" dirty="0" err="1">
+                <a:solidFill>
+                  <a:srgbClr val="FFFF00"/>
+                </a:solidFill>
+                <a:latin typeface="Consolas" panose="020B0609020204030204" pitchFamily="49" charset="0"/>
+              </a:rPr>
+              <a:t>PlayerSizeY</a:t>
+            </a:r>
+            <a:r>
+              <a:rPr lang="pt-BR" dirty="0">
+                <a:solidFill>
+                  <a:srgbClr val="FFFF00"/>
+                </a:solidFill>
+                <a:latin typeface="Consolas" panose="020B0609020204030204" pitchFamily="49" charset="0"/>
+              </a:rPr>
+              <a:t> / 2</a:t>
+            </a:r>
+          </a:p>
+        </p:txBody>
+      </p:sp>
+    </p:spTree>
+    <p:extLst>
+      <p:ext uri="{BB962C8B-B14F-4D97-AF65-F5344CB8AC3E}">
+        <p14:creationId xmlns:p14="http://schemas.microsoft.com/office/powerpoint/2010/main" val="3060868072"/>
+      </p:ext>
+    </p:extLst>
+  </p:cSld>
+  <p:clrMapOvr>
+    <a:masterClrMapping/>
+  </p:clrMapOvr>
+</p:sld>
+</file>
+
+<file path=ppt/slides/slide11.xml><?xml version="1.0" encoding="utf-8"?>
+<p:sld xmlns:a="http://schemas.openxmlformats.org/drawingml/2006/main" xmlns:r="http://schemas.openxmlformats.org/officeDocument/2006/relationships" xmlns:p="http://schemas.openxmlformats.org/presentationml/2006/main">
+  <p:cSld>
     <p:spTree>
       <p:nvGrpSpPr>
         <p:cNvPr id="1" name="">
@@ -3708,20 +4028,9 @@
 </p:sld>
 </file>
 
-<file path=ppt/slides/slide11.xml><?xml version="1.0" encoding="utf-8"?>
+<file path=ppt/slides/slide12.xml><?xml version="1.0" encoding="utf-8"?>
 <p:sld xmlns:a="http://schemas.openxmlformats.org/drawingml/2006/main" xmlns:r="http://schemas.openxmlformats.org/officeDocument/2006/relationships" xmlns:p="http://schemas.openxmlformats.org/presentationml/2006/main">
   <p:cSld>
-    <p:bg>
-      <p:bgPr>
-        <a:solidFill>
-          <a:schemeClr val="tx1">
-            <a:lumMod val="95000"/>
-            <a:lumOff val="5000"/>
-          </a:schemeClr>
-        </a:solidFill>
-        <a:effectLst/>
-      </p:bgPr>
-    </p:bg>
     <p:spTree>
       <p:nvGrpSpPr>
         <p:cNvPr id="1" name="">
@@ -4036,20 +4345,9 @@
 </p:sld>
 </file>
 
-<file path=ppt/slides/slide12.xml><?xml version="1.0" encoding="utf-8"?>
+<file path=ppt/slides/slide13.xml><?xml version="1.0" encoding="utf-8"?>
 <p:sld xmlns:a="http://schemas.openxmlformats.org/drawingml/2006/main" xmlns:r="http://schemas.openxmlformats.org/officeDocument/2006/relationships" xmlns:p="http://schemas.openxmlformats.org/presentationml/2006/main">
   <p:cSld>
-    <p:bg>
-      <p:bgPr>
-        <a:solidFill>
-          <a:schemeClr val="tx1">
-            <a:lumMod val="95000"/>
-            <a:lumOff val="5000"/>
-          </a:schemeClr>
-        </a:solidFill>
-        <a:effectLst/>
-      </p:bgPr>
-    </p:bg>
     <p:spTree>
       <p:nvGrpSpPr>
         <p:cNvPr id="1" name="">
@@ -4383,20 +4681,9 @@
 </p:sld>
 </file>
 
-<file path=ppt/slides/slide13.xml><?xml version="1.0" encoding="utf-8"?>
+<file path=ppt/slides/slide14.xml><?xml version="1.0" encoding="utf-8"?>
 <p:sld xmlns:a="http://schemas.openxmlformats.org/drawingml/2006/main" xmlns:r="http://schemas.openxmlformats.org/officeDocument/2006/relationships" xmlns:p="http://schemas.openxmlformats.org/presentationml/2006/main">
   <p:cSld>
-    <p:bg>
-      <p:bgPr>
-        <a:solidFill>
-          <a:schemeClr val="tx1">
-            <a:lumMod val="95000"/>
-            <a:lumOff val="5000"/>
-          </a:schemeClr>
-        </a:solidFill>
-        <a:effectLst/>
-      </p:bgPr>
-    </p:bg>
     <p:spTree>
       <p:nvGrpSpPr>
         <p:cNvPr id="1" name="">
@@ -4730,20 +5017,9 @@
 </p:sld>
 </file>
 
-<file path=ppt/slides/slide14.xml><?xml version="1.0" encoding="utf-8"?>
+<file path=ppt/slides/slide15.xml><?xml version="1.0" encoding="utf-8"?>
 <p:sld xmlns:a="http://schemas.openxmlformats.org/drawingml/2006/main" xmlns:r="http://schemas.openxmlformats.org/officeDocument/2006/relationships" xmlns:p="http://schemas.openxmlformats.org/presentationml/2006/main">
   <p:cSld>
-    <p:bg>
-      <p:bgPr>
-        <a:solidFill>
-          <a:schemeClr val="tx1">
-            <a:lumMod val="95000"/>
-            <a:lumOff val="5000"/>
-          </a:schemeClr>
-        </a:solidFill>
-        <a:effectLst/>
-      </p:bgPr>
-    </p:bg>
     <p:spTree>
       <p:nvGrpSpPr>
         <p:cNvPr id="1" name="">
@@ -5141,20 +5417,9 @@
 </p:sld>
 </file>
 
-<file path=ppt/slides/slide15.xml><?xml version="1.0" encoding="utf-8"?>
+<file path=ppt/slides/slide16.xml><?xml version="1.0" encoding="utf-8"?>
 <p:sld xmlns:a="http://schemas.openxmlformats.org/drawingml/2006/main" xmlns:r="http://schemas.openxmlformats.org/officeDocument/2006/relationships" xmlns:p="http://schemas.openxmlformats.org/presentationml/2006/main">
   <p:cSld>
-    <p:bg>
-      <p:bgPr>
-        <a:solidFill>
-          <a:schemeClr val="tx1">
-            <a:lumMod val="95000"/>
-            <a:lumOff val="5000"/>
-          </a:schemeClr>
-        </a:solidFill>
-        <a:effectLst/>
-      </p:bgPr>
-    </p:bg>
     <p:spTree>
       <p:nvGrpSpPr>
         <p:cNvPr id="1" name="">
@@ -5175,6 +5440,61 @@
           <a:chExt cx="0" cy="0"/>
         </a:xfrm>
       </p:grpSpPr>
+      <p:sp>
+        <p:nvSpPr>
+          <p:cNvPr id="2" name="Retângulo 1">
+            <a:extLst>
+              <a:ext uri="{FF2B5EF4-FFF2-40B4-BE49-F238E27FC236}">
+                <a16:creationId xmlns:a16="http://schemas.microsoft.com/office/drawing/2014/main" id="{864EFC30-9E5F-78A0-F8B8-2BAD0D780AB0}"/>
+              </a:ext>
+            </a:extLst>
+          </p:cNvPr>
+          <p:cNvSpPr/>
+          <p:nvPr/>
+        </p:nvSpPr>
+        <p:spPr>
+          <a:xfrm>
+            <a:off x="0" y="0"/>
+            <a:ext cx="12192000" cy="6858000"/>
+          </a:xfrm>
+          <a:prstGeom prst="rect">
+            <a:avLst/>
+          </a:prstGeom>
+          <a:solidFill>
+            <a:schemeClr val="tx1">
+              <a:lumMod val="95000"/>
+              <a:lumOff val="5000"/>
+            </a:schemeClr>
+          </a:solidFill>
+          <a:ln>
+            <a:noFill/>
+          </a:ln>
+        </p:spPr>
+        <p:style>
+          <a:lnRef idx="2">
+            <a:schemeClr val="accent1">
+              <a:shade val="15000"/>
+            </a:schemeClr>
+          </a:lnRef>
+          <a:fillRef idx="1">
+            <a:schemeClr val="accent1"/>
+          </a:fillRef>
+          <a:effectRef idx="0">
+            <a:schemeClr val="accent1"/>
+          </a:effectRef>
+          <a:fontRef idx="minor">
+            <a:schemeClr val="lt1"/>
+          </a:fontRef>
+        </p:style>
+        <p:txBody>
+          <a:bodyPr rtlCol="0" anchor="ctr"/>
+          <a:lstStyle/>
+          <a:p>
+            <a:pPr algn="ctr"/>
+            <a:endParaRPr lang="pt-BR"/>
+          </a:p>
+        </p:txBody>
+      </p:sp>
     </p:spTree>
     <p:extLst>
       <p:ext uri="{BB962C8B-B14F-4D97-AF65-F5344CB8AC3E}">
@@ -5188,20 +5508,9 @@
 </p:sld>
 </file>
 
-<file path=ppt/slides/slide16.xml><?xml version="1.0" encoding="utf-8"?>
+<file path=ppt/slides/slide17.xml><?xml version="1.0" encoding="utf-8"?>
 <p:sld xmlns:a="http://schemas.openxmlformats.org/drawingml/2006/main" xmlns:r="http://schemas.openxmlformats.org/officeDocument/2006/relationships" xmlns:p="http://schemas.openxmlformats.org/presentationml/2006/main">
   <p:cSld>
-    <p:bg>
-      <p:bgPr>
-        <a:solidFill>
-          <a:schemeClr val="tx1">
-            <a:lumMod val="95000"/>
-            <a:lumOff val="5000"/>
-          </a:schemeClr>
-        </a:solidFill>
-        <a:effectLst/>
-      </p:bgPr>
-    </p:bg>
     <p:spTree>
       <p:nvGrpSpPr>
         <p:cNvPr id="1" name="">
@@ -5623,20 +5932,9 @@
 </p:sld>
 </file>
 
-<file path=ppt/slides/slide17.xml><?xml version="1.0" encoding="utf-8"?>
+<file path=ppt/slides/slide18.xml><?xml version="1.0" encoding="utf-8"?>
 <p:sld xmlns:a="http://schemas.openxmlformats.org/drawingml/2006/main" xmlns:r="http://schemas.openxmlformats.org/officeDocument/2006/relationships" xmlns:p="http://schemas.openxmlformats.org/presentationml/2006/main">
   <p:cSld>
-    <p:bg>
-      <p:bgPr>
-        <a:solidFill>
-          <a:schemeClr val="tx1">
-            <a:lumMod val="95000"/>
-            <a:lumOff val="5000"/>
-          </a:schemeClr>
-        </a:solidFill>
-        <a:effectLst/>
-      </p:bgPr>
-    </p:bg>
     <p:spTree>
       <p:nvGrpSpPr>
         <p:cNvPr id="1" name="">
@@ -5657,6 +5955,61 @@
           <a:chExt cx="0" cy="0"/>
         </a:xfrm>
       </p:grpSpPr>
+      <p:sp>
+        <p:nvSpPr>
+          <p:cNvPr id="2" name="Retângulo 1">
+            <a:extLst>
+              <a:ext uri="{FF2B5EF4-FFF2-40B4-BE49-F238E27FC236}">
+                <a16:creationId xmlns:a16="http://schemas.microsoft.com/office/drawing/2014/main" id="{47D16D02-B717-94AF-272B-5E23E03B44E4}"/>
+              </a:ext>
+            </a:extLst>
+          </p:cNvPr>
+          <p:cNvSpPr/>
+          <p:nvPr/>
+        </p:nvSpPr>
+        <p:spPr>
+          <a:xfrm>
+            <a:off x="0" y="0"/>
+            <a:ext cx="12192000" cy="6858000"/>
+          </a:xfrm>
+          <a:prstGeom prst="rect">
+            <a:avLst/>
+          </a:prstGeom>
+          <a:solidFill>
+            <a:schemeClr val="tx1">
+              <a:lumMod val="95000"/>
+              <a:lumOff val="5000"/>
+            </a:schemeClr>
+          </a:solidFill>
+          <a:ln>
+            <a:noFill/>
+          </a:ln>
+        </p:spPr>
+        <p:style>
+          <a:lnRef idx="2">
+            <a:schemeClr val="accent1">
+              <a:shade val="15000"/>
+            </a:schemeClr>
+          </a:lnRef>
+          <a:fillRef idx="1">
+            <a:schemeClr val="accent1"/>
+          </a:fillRef>
+          <a:effectRef idx="0">
+            <a:schemeClr val="accent1"/>
+          </a:effectRef>
+          <a:fontRef idx="minor">
+            <a:schemeClr val="lt1"/>
+          </a:fontRef>
+        </p:style>
+        <p:txBody>
+          <a:bodyPr rtlCol="0" anchor="ctr"/>
+          <a:lstStyle/>
+          <a:p>
+            <a:pPr algn="ctr"/>
+            <a:endParaRPr lang="pt-BR"/>
+          </a:p>
+        </p:txBody>
+      </p:sp>
     </p:spTree>
     <p:extLst>
       <p:ext uri="{BB962C8B-B14F-4D97-AF65-F5344CB8AC3E}">
@@ -5673,17 +6026,97 @@
 <file path=ppt/slides/slide2.xml><?xml version="1.0" encoding="utf-8"?>
 <p:sld xmlns:a="http://schemas.openxmlformats.org/drawingml/2006/main" xmlns:r="http://schemas.openxmlformats.org/officeDocument/2006/relationships" xmlns:p="http://schemas.openxmlformats.org/presentationml/2006/main">
   <p:cSld>
-    <p:bg>
-      <p:bgPr>
-        <a:solidFill>
-          <a:schemeClr val="tx1">
-            <a:lumMod val="95000"/>
-            <a:lumOff val="5000"/>
-          </a:schemeClr>
-        </a:solidFill>
-        <a:effectLst/>
-      </p:bgPr>
-    </p:bg>
+    <p:spTree>
+      <p:nvGrpSpPr>
+        <p:cNvPr id="1" name="">
+          <a:extLst>
+            <a:ext uri="{FF2B5EF4-FFF2-40B4-BE49-F238E27FC236}">
+              <a16:creationId xmlns:a16="http://schemas.microsoft.com/office/drawing/2014/main" id="{5331BA27-AB44-83CD-E16A-9DF8160DB360}"/>
+            </a:ext>
+          </a:extLst>
+        </p:cNvPr>
+        <p:cNvGrpSpPr/>
+        <p:nvPr/>
+      </p:nvGrpSpPr>
+      <p:grpSpPr>
+        <a:xfrm>
+          <a:off x="0" y="0"/>
+          <a:ext cx="0" cy="0"/>
+          <a:chOff x="0" y="0"/>
+          <a:chExt cx="0" cy="0"/>
+        </a:xfrm>
+      </p:grpSpPr>
+      <p:sp>
+        <p:nvSpPr>
+          <p:cNvPr id="2" name="Retângulo 1">
+            <a:extLst>
+              <a:ext uri="{FF2B5EF4-FFF2-40B4-BE49-F238E27FC236}">
+                <a16:creationId xmlns:a16="http://schemas.microsoft.com/office/drawing/2014/main" id="{E6BFB2CC-4972-F1BC-FFC0-2248FC6CB3A7}"/>
+              </a:ext>
+            </a:extLst>
+          </p:cNvPr>
+          <p:cNvSpPr/>
+          <p:nvPr/>
+        </p:nvSpPr>
+        <p:spPr>
+          <a:xfrm>
+            <a:off x="0" y="0"/>
+            <a:ext cx="12192000" cy="6858000"/>
+          </a:xfrm>
+          <a:prstGeom prst="rect">
+            <a:avLst/>
+          </a:prstGeom>
+          <a:solidFill>
+            <a:schemeClr val="tx1">
+              <a:lumMod val="95000"/>
+              <a:lumOff val="5000"/>
+            </a:schemeClr>
+          </a:solidFill>
+          <a:ln>
+            <a:noFill/>
+          </a:ln>
+        </p:spPr>
+        <p:style>
+          <a:lnRef idx="2">
+            <a:schemeClr val="accent1">
+              <a:shade val="15000"/>
+            </a:schemeClr>
+          </a:lnRef>
+          <a:fillRef idx="1">
+            <a:schemeClr val="accent1"/>
+          </a:fillRef>
+          <a:effectRef idx="0">
+            <a:schemeClr val="accent1"/>
+          </a:effectRef>
+          <a:fontRef idx="minor">
+            <a:schemeClr val="lt1"/>
+          </a:fontRef>
+        </p:style>
+        <p:txBody>
+          <a:bodyPr rtlCol="0" anchor="ctr"/>
+          <a:lstStyle/>
+          <a:p>
+            <a:pPr algn="ctr"/>
+            <a:endParaRPr lang="pt-BR"/>
+          </a:p>
+        </p:txBody>
+      </p:sp>
+    </p:spTree>
+    <p:extLst>
+      <p:ext uri="{BB962C8B-B14F-4D97-AF65-F5344CB8AC3E}">
+        <p14:creationId xmlns:p14="http://schemas.microsoft.com/office/powerpoint/2010/main" val="3015740158"/>
+      </p:ext>
+    </p:extLst>
+  </p:cSld>
+  <p:clrMapOvr>
+    <a:masterClrMapping/>
+  </p:clrMapOvr>
+</p:sld>
+</file>
+
+<file path=ppt/slides/slide3.xml><?xml version="1.0" encoding="utf-8"?>
+<p:sld xmlns:a="http://schemas.openxmlformats.org/drawingml/2006/main" xmlns:r="http://schemas.openxmlformats.org/officeDocument/2006/relationships" xmlns:p="http://schemas.openxmlformats.org/presentationml/2006/main">
+  <p:cSld>
     <p:spTree>
       <p:nvGrpSpPr>
         <p:cNvPr id="1" name="">
@@ -5861,20 +6294,9 @@
 </p:sld>
 </file>
 
-<file path=ppt/slides/slide3.xml><?xml version="1.0" encoding="utf-8"?>
+<file path=ppt/slides/slide4.xml><?xml version="1.0" encoding="utf-8"?>
 <p:sld xmlns:a="http://schemas.openxmlformats.org/drawingml/2006/main" xmlns:r="http://schemas.openxmlformats.org/officeDocument/2006/relationships" xmlns:p="http://schemas.openxmlformats.org/presentationml/2006/main">
   <p:cSld>
-    <p:bg>
-      <p:bgPr>
-        <a:solidFill>
-          <a:schemeClr val="tx1">
-            <a:lumMod val="95000"/>
-            <a:lumOff val="5000"/>
-          </a:schemeClr>
-        </a:solidFill>
-        <a:effectLst/>
-      </p:bgPr>
-    </p:bg>
     <p:spTree>
       <p:nvGrpSpPr>
         <p:cNvPr id="1" name="">
@@ -5897,6 +6319,61 @@
       </p:grpSpPr>
       <p:sp>
         <p:nvSpPr>
+          <p:cNvPr id="20" name="Retângulo 19">
+            <a:extLst>
+              <a:ext uri="{FF2B5EF4-FFF2-40B4-BE49-F238E27FC236}">
+                <a16:creationId xmlns:a16="http://schemas.microsoft.com/office/drawing/2014/main" id="{691D18BB-E5A7-6233-76F8-29CF359FB619}"/>
+              </a:ext>
+            </a:extLst>
+          </p:cNvPr>
+          <p:cNvSpPr/>
+          <p:nvPr/>
+        </p:nvSpPr>
+        <p:spPr>
+          <a:xfrm>
+            <a:off x="0" y="0"/>
+            <a:ext cx="12192000" cy="6858000"/>
+          </a:xfrm>
+          <a:prstGeom prst="rect">
+            <a:avLst/>
+          </a:prstGeom>
+          <a:solidFill>
+            <a:schemeClr val="tx1">
+              <a:lumMod val="95000"/>
+              <a:lumOff val="5000"/>
+            </a:schemeClr>
+          </a:solidFill>
+          <a:ln>
+            <a:noFill/>
+          </a:ln>
+        </p:spPr>
+        <p:style>
+          <a:lnRef idx="2">
+            <a:schemeClr val="accent1">
+              <a:shade val="15000"/>
+            </a:schemeClr>
+          </a:lnRef>
+          <a:fillRef idx="1">
+            <a:schemeClr val="accent1"/>
+          </a:fillRef>
+          <a:effectRef idx="0">
+            <a:schemeClr val="accent1"/>
+          </a:effectRef>
+          <a:fontRef idx="minor">
+            <a:schemeClr val="lt1"/>
+          </a:fontRef>
+        </p:style>
+        <p:txBody>
+          <a:bodyPr rtlCol="0" anchor="ctr"/>
+          <a:lstStyle/>
+          <a:p>
+            <a:pPr algn="ctr"/>
+            <a:endParaRPr lang="pt-BR"/>
+          </a:p>
+        </p:txBody>
+      </p:sp>
+      <p:sp>
+        <p:nvSpPr>
           <p:cNvPr id="2" name="Retângulo 1">
             <a:extLst>
               <a:ext uri="{FF2B5EF4-FFF2-40B4-BE49-F238E27FC236}">
@@ -6753,20 +7230,9 @@
 </p:sld>
 </file>
 
-<file path=ppt/slides/slide4.xml><?xml version="1.0" encoding="utf-8"?>
+<file path=ppt/slides/slide5.xml><?xml version="1.0" encoding="utf-8"?>
 <p:sld xmlns:a="http://schemas.openxmlformats.org/drawingml/2006/main" xmlns:r="http://schemas.openxmlformats.org/officeDocument/2006/relationships" xmlns:p="http://schemas.openxmlformats.org/presentationml/2006/main">
   <p:cSld>
-    <p:bg>
-      <p:bgPr>
-        <a:solidFill>
-          <a:schemeClr val="tx1">
-            <a:lumMod val="95000"/>
-            <a:lumOff val="5000"/>
-          </a:schemeClr>
-        </a:solidFill>
-        <a:effectLst/>
-      </p:bgPr>
-    </p:bg>
     <p:spTree>
       <p:nvGrpSpPr>
         <p:cNvPr id="1" name="">
@@ -6789,6 +7255,61 @@
       </p:grpSpPr>
       <p:sp>
         <p:nvSpPr>
+          <p:cNvPr id="22" name="Retângulo 21">
+            <a:extLst>
+              <a:ext uri="{FF2B5EF4-FFF2-40B4-BE49-F238E27FC236}">
+                <a16:creationId xmlns:a16="http://schemas.microsoft.com/office/drawing/2014/main" id="{0ECBB42D-8E31-F08F-9A3C-5E9A53A635E3}"/>
+              </a:ext>
+            </a:extLst>
+          </p:cNvPr>
+          <p:cNvSpPr/>
+          <p:nvPr/>
+        </p:nvSpPr>
+        <p:spPr>
+          <a:xfrm>
+            <a:off x="0" y="0"/>
+            <a:ext cx="12192000" cy="6858000"/>
+          </a:xfrm>
+          <a:prstGeom prst="rect">
+            <a:avLst/>
+          </a:prstGeom>
+          <a:solidFill>
+            <a:schemeClr val="tx1">
+              <a:lumMod val="95000"/>
+              <a:lumOff val="5000"/>
+            </a:schemeClr>
+          </a:solidFill>
+          <a:ln>
+            <a:noFill/>
+          </a:ln>
+        </p:spPr>
+        <p:style>
+          <a:lnRef idx="2">
+            <a:schemeClr val="accent1">
+              <a:shade val="15000"/>
+            </a:schemeClr>
+          </a:lnRef>
+          <a:fillRef idx="1">
+            <a:schemeClr val="accent1"/>
+          </a:fillRef>
+          <a:effectRef idx="0">
+            <a:schemeClr val="accent1"/>
+          </a:effectRef>
+          <a:fontRef idx="minor">
+            <a:schemeClr val="lt1"/>
+          </a:fontRef>
+        </p:style>
+        <p:txBody>
+          <a:bodyPr rtlCol="0" anchor="ctr"/>
+          <a:lstStyle/>
+          <a:p>
+            <a:pPr algn="ctr"/>
+            <a:endParaRPr lang="pt-BR"/>
+          </a:p>
+        </p:txBody>
+      </p:sp>
+      <p:sp>
+        <p:nvSpPr>
           <p:cNvPr id="2" name="Retângulo 1">
             <a:extLst>
               <a:ext uri="{FF2B5EF4-FFF2-40B4-BE49-F238E27FC236}">
@@ -7812,20 +8333,9 @@
 </p:sld>
 </file>
 
-<file path=ppt/slides/slide5.xml><?xml version="1.0" encoding="utf-8"?>
+<file path=ppt/slides/slide6.xml><?xml version="1.0" encoding="utf-8"?>
 <p:sld xmlns:a="http://schemas.openxmlformats.org/drawingml/2006/main" xmlns:r="http://schemas.openxmlformats.org/officeDocument/2006/relationships" xmlns:p="http://schemas.openxmlformats.org/presentationml/2006/main">
   <p:cSld>
-    <p:bg>
-      <p:bgPr>
-        <a:solidFill>
-          <a:schemeClr val="tx1">
-            <a:lumMod val="95000"/>
-            <a:lumOff val="5000"/>
-          </a:schemeClr>
-        </a:solidFill>
-        <a:effectLst/>
-      </p:bgPr>
-    </p:bg>
     <p:spTree>
       <p:nvGrpSpPr>
         <p:cNvPr id="1" name="">
@@ -8047,20 +8557,9 @@
 </p:sld>
 </file>
 
-<file path=ppt/slides/slide6.xml><?xml version="1.0" encoding="utf-8"?>
+<file path=ppt/slides/slide7.xml><?xml version="1.0" encoding="utf-8"?>
 <p:sld xmlns:a="http://schemas.openxmlformats.org/drawingml/2006/main" xmlns:r="http://schemas.openxmlformats.org/officeDocument/2006/relationships" xmlns:p="http://schemas.openxmlformats.org/presentationml/2006/main">
   <p:cSld>
-    <p:bg>
-      <p:bgPr>
-        <a:solidFill>
-          <a:schemeClr val="tx1">
-            <a:lumMod val="95000"/>
-            <a:lumOff val="5000"/>
-          </a:schemeClr>
-        </a:solidFill>
-        <a:effectLst/>
-      </p:bgPr>
-    </p:bg>
     <p:spTree>
       <p:nvGrpSpPr>
         <p:cNvPr id="1" name="">
@@ -8394,20 +8893,9 @@
 </p:sld>
 </file>
 
-<file path=ppt/slides/slide7.xml><?xml version="1.0" encoding="utf-8"?>
+<file path=ppt/slides/slide8.xml><?xml version="1.0" encoding="utf-8"?>
 <p:sld xmlns:a="http://schemas.openxmlformats.org/drawingml/2006/main" xmlns:r="http://schemas.openxmlformats.org/officeDocument/2006/relationships" xmlns:p="http://schemas.openxmlformats.org/presentationml/2006/main">
   <p:cSld>
-    <p:bg>
-      <p:bgPr>
-        <a:solidFill>
-          <a:schemeClr val="tx1">
-            <a:lumMod val="95000"/>
-            <a:lumOff val="5000"/>
-          </a:schemeClr>
-        </a:solidFill>
-        <a:effectLst/>
-      </p:bgPr>
-    </p:bg>
     <p:spTree>
       <p:nvGrpSpPr>
         <p:cNvPr id="1" name="">
@@ -8741,20 +9229,9 @@
 </p:sld>
 </file>
 
-<file path=ppt/slides/slide8.xml><?xml version="1.0" encoding="utf-8"?>
+<file path=ppt/slides/slide9.xml><?xml version="1.0" encoding="utf-8"?>
 <p:sld xmlns:a="http://schemas.openxmlformats.org/drawingml/2006/main" xmlns:r="http://schemas.openxmlformats.org/officeDocument/2006/relationships" xmlns:p="http://schemas.openxmlformats.org/presentationml/2006/main">
   <p:cSld>
-    <p:bg>
-      <p:bgPr>
-        <a:solidFill>
-          <a:schemeClr val="tx1">
-            <a:lumMod val="95000"/>
-            <a:lumOff val="5000"/>
-          </a:schemeClr>
-        </a:solidFill>
-        <a:effectLst/>
-      </p:bgPr>
-    </p:bg>
     <p:spTree>
       <p:nvGrpSpPr>
         <p:cNvPr id="1" name="">
@@ -8977,353 +9454,6 @@
     <p:extLst>
       <p:ext uri="{BB962C8B-B14F-4D97-AF65-F5344CB8AC3E}">
         <p14:creationId xmlns:p14="http://schemas.microsoft.com/office/powerpoint/2010/main" val="2230653546"/>
-      </p:ext>
-    </p:extLst>
-  </p:cSld>
-  <p:clrMapOvr>
-    <a:masterClrMapping/>
-  </p:clrMapOvr>
-</p:sld>
-</file>
-
-<file path=ppt/slides/slide9.xml><?xml version="1.0" encoding="utf-8"?>
-<p:sld xmlns:a="http://schemas.openxmlformats.org/drawingml/2006/main" xmlns:r="http://schemas.openxmlformats.org/officeDocument/2006/relationships" xmlns:p="http://schemas.openxmlformats.org/presentationml/2006/main">
-  <p:cSld>
-    <p:bg>
-      <p:bgPr>
-        <a:solidFill>
-          <a:schemeClr val="tx1">
-            <a:lumMod val="95000"/>
-            <a:lumOff val="5000"/>
-          </a:schemeClr>
-        </a:solidFill>
-        <a:effectLst/>
-      </p:bgPr>
-    </p:bg>
-    <p:spTree>
-      <p:nvGrpSpPr>
-        <p:cNvPr id="1" name="">
-          <a:extLst>
-            <a:ext uri="{FF2B5EF4-FFF2-40B4-BE49-F238E27FC236}">
-              <a16:creationId xmlns:a16="http://schemas.microsoft.com/office/drawing/2014/main" id="{AF0D9FBF-6BA3-18D9-3A92-ECE48293687E}"/>
-            </a:ext>
-          </a:extLst>
-        </p:cNvPr>
-        <p:cNvGrpSpPr/>
-        <p:nvPr/>
-      </p:nvGrpSpPr>
-      <p:grpSpPr>
-        <a:xfrm>
-          <a:off x="0" y="0"/>
-          <a:ext cx="0" cy="0"/>
-          <a:chOff x="0" y="0"/>
-          <a:chExt cx="0" cy="0"/>
-        </a:xfrm>
-      </p:grpSpPr>
-      <p:sp>
-        <p:nvSpPr>
-          <p:cNvPr id="6" name="Retângulo 5">
-            <a:extLst>
-              <a:ext uri="{FF2B5EF4-FFF2-40B4-BE49-F238E27FC236}">
-                <a16:creationId xmlns:a16="http://schemas.microsoft.com/office/drawing/2014/main" id="{56E5C655-34DF-016C-C3E9-62C1CF003372}"/>
-              </a:ext>
-            </a:extLst>
-          </p:cNvPr>
-          <p:cNvSpPr/>
-          <p:nvPr/>
-        </p:nvSpPr>
-        <p:spPr>
-          <a:xfrm>
-            <a:off x="0" y="0"/>
-            <a:ext cx="12192000" cy="6858000"/>
-          </a:xfrm>
-          <a:prstGeom prst="rect">
-            <a:avLst/>
-          </a:prstGeom>
-          <a:solidFill>
-            <a:schemeClr val="tx1">
-              <a:lumMod val="95000"/>
-              <a:lumOff val="5000"/>
-            </a:schemeClr>
-          </a:solidFill>
-          <a:ln>
-            <a:noFill/>
-          </a:ln>
-        </p:spPr>
-        <p:style>
-          <a:lnRef idx="2">
-            <a:schemeClr val="accent1">
-              <a:shade val="15000"/>
-            </a:schemeClr>
-          </a:lnRef>
-          <a:fillRef idx="1">
-            <a:schemeClr val="accent1"/>
-          </a:fillRef>
-          <a:effectRef idx="0">
-            <a:schemeClr val="accent1"/>
-          </a:effectRef>
-          <a:fontRef idx="minor">
-            <a:schemeClr val="lt1"/>
-          </a:fontRef>
-        </p:style>
-        <p:txBody>
-          <a:bodyPr rtlCol="0" anchor="ctr"/>
-          <a:lstStyle/>
-          <a:p>
-            <a:pPr algn="ctr"/>
-            <a:endParaRPr lang="pt-BR"/>
-          </a:p>
-        </p:txBody>
-      </p:sp>
-      <p:sp>
-        <p:nvSpPr>
-          <p:cNvPr id="2" name="Retângulo 1">
-            <a:extLst>
-              <a:ext uri="{FF2B5EF4-FFF2-40B4-BE49-F238E27FC236}">
-                <a16:creationId xmlns:a16="http://schemas.microsoft.com/office/drawing/2014/main" id="{2BBDA9C9-2DE8-F600-701D-2650E6138D13}"/>
-              </a:ext>
-            </a:extLst>
-          </p:cNvPr>
-          <p:cNvSpPr/>
-          <p:nvPr/>
-        </p:nvSpPr>
-        <p:spPr>
-          <a:xfrm>
-            <a:off x="2367848" y="991800"/>
-            <a:ext cx="2437200" cy="4874400"/>
-          </a:xfrm>
-          <a:prstGeom prst="rect">
-            <a:avLst/>
-          </a:prstGeom>
-          <a:noFill/>
-          <a:ln w="38100">
-            <a:solidFill>
-              <a:schemeClr val="bg1"/>
-            </a:solidFill>
-            <a:prstDash val="dash"/>
-          </a:ln>
-        </p:spPr>
-        <p:style>
-          <a:lnRef idx="2">
-            <a:schemeClr val="accent1">
-              <a:shade val="15000"/>
-            </a:schemeClr>
-          </a:lnRef>
-          <a:fillRef idx="1">
-            <a:schemeClr val="accent1"/>
-          </a:fillRef>
-          <a:effectRef idx="0">
-            <a:schemeClr val="accent1"/>
-          </a:effectRef>
-          <a:fontRef idx="minor">
-            <a:schemeClr val="lt1"/>
-          </a:fontRef>
-        </p:style>
-        <p:txBody>
-          <a:bodyPr rtlCol="0" anchor="ctr"/>
-          <a:lstStyle/>
-          <a:p>
-            <a:pPr algn="ctr"/>
-            <a:endParaRPr lang="pt-BR"/>
-          </a:p>
-        </p:txBody>
-      </p:sp>
-      <p:pic>
-        <p:nvPicPr>
-          <p:cNvPr id="3" name="Imagem 2" descr="Uma imagem contendo Código QR&#10;&#10;O conteúdo gerado por IA pode estar incorreto.">
-            <a:extLst>
-              <a:ext uri="{FF2B5EF4-FFF2-40B4-BE49-F238E27FC236}">
-                <a16:creationId xmlns:a16="http://schemas.microsoft.com/office/drawing/2014/main" id="{2B56E174-0421-508D-7268-71822EE95CF2}"/>
-              </a:ext>
-            </a:extLst>
-          </p:cNvPr>
-          <p:cNvPicPr>
-            <a:picLocks noChangeAspect="1"/>
-          </p:cNvPicPr>
-          <p:nvPr/>
-        </p:nvPicPr>
-        <p:blipFill>
-          <a:blip r:embed="rId2">
-            <a:extLst>
-              <a:ext uri="{28A0092B-C50C-407E-A947-70E740481C1C}">
-                <a14:useLocalDpi xmlns:a14="http://schemas.microsoft.com/office/drawing/2010/main" val="0"/>
-              </a:ext>
-            </a:extLst>
-          </a:blip>
-          <a:stretch>
-            <a:fillRect/>
-          </a:stretch>
-        </p:blipFill>
-        <p:spPr>
-          <a:xfrm>
-            <a:off x="7227836" y="2209630"/>
-            <a:ext cx="2438740" cy="2438740"/>
-          </a:xfrm>
-          <a:prstGeom prst="rect">
-            <a:avLst/>
-          </a:prstGeom>
-        </p:spPr>
-      </p:pic>
-      <p:cxnSp>
-        <p:nvCxnSpPr>
-          <p:cNvPr id="5" name="Conector reto 4">
-            <a:extLst>
-              <a:ext uri="{FF2B5EF4-FFF2-40B4-BE49-F238E27FC236}">
-                <a16:creationId xmlns:a16="http://schemas.microsoft.com/office/drawing/2014/main" id="{88678188-BFF2-51A5-FA8D-D18F3BC123BB}"/>
-              </a:ext>
-            </a:extLst>
-          </p:cNvPr>
-          <p:cNvCxnSpPr>
-            <a:cxnSpLocks/>
-          </p:cNvCxnSpPr>
-          <p:nvPr/>
-        </p:nvCxnSpPr>
-        <p:spPr>
-          <a:xfrm flipH="1" flipV="1">
-            <a:off x="0" y="5859131"/>
-            <a:ext cx="12386824" cy="7071"/>
-          </a:xfrm>
-          <a:prstGeom prst="line">
-            <a:avLst/>
-          </a:prstGeom>
-          <a:ln w="38100">
-            <a:solidFill>
-              <a:srgbClr val="FFFF00"/>
-            </a:solidFill>
-            <a:prstDash val="dash"/>
-          </a:ln>
-        </p:spPr>
-        <p:style>
-          <a:lnRef idx="2">
-            <a:schemeClr val="accent1"/>
-          </a:lnRef>
-          <a:fillRef idx="0">
-            <a:schemeClr val="accent1"/>
-          </a:fillRef>
-          <a:effectRef idx="1">
-            <a:schemeClr val="accent1"/>
-          </a:effectRef>
-          <a:fontRef idx="minor">
-            <a:schemeClr val="tx1"/>
-          </a:fontRef>
-        </p:style>
-      </p:cxnSp>
-      <p:cxnSp>
-        <p:nvCxnSpPr>
-          <p:cNvPr id="9" name="Conector de Seta Reta 8">
-            <a:extLst>
-              <a:ext uri="{FF2B5EF4-FFF2-40B4-BE49-F238E27FC236}">
-                <a16:creationId xmlns:a16="http://schemas.microsoft.com/office/drawing/2014/main" id="{57F2CD9B-28F6-A8BC-FB4F-64A95E7E1CDD}"/>
-              </a:ext>
-            </a:extLst>
-          </p:cNvPr>
-          <p:cNvCxnSpPr>
-            <a:cxnSpLocks/>
-          </p:cNvCxnSpPr>
-          <p:nvPr/>
-        </p:nvCxnSpPr>
-        <p:spPr>
-          <a:xfrm rot="5400000" flipV="1">
-            <a:off x="2143207" y="5643918"/>
-            <a:ext cx="0" cy="449281"/>
-          </a:xfrm>
-          <a:prstGeom prst="straightConnector1">
-            <a:avLst/>
-          </a:prstGeom>
-          <a:ln w="76200">
-            <a:solidFill>
-              <a:srgbClr val="FFFF00"/>
-            </a:solidFill>
-            <a:tailEnd type="triangle"/>
-          </a:ln>
-        </p:spPr>
-        <p:style>
-          <a:lnRef idx="2">
-            <a:schemeClr val="accent1"/>
-          </a:lnRef>
-          <a:fillRef idx="0">
-            <a:schemeClr val="accent1"/>
-          </a:fillRef>
-          <a:effectRef idx="1">
-            <a:schemeClr val="accent1"/>
-          </a:effectRef>
-          <a:fontRef idx="minor">
-            <a:schemeClr val="tx1"/>
-          </a:fontRef>
-        </p:style>
-      </p:cxnSp>
-      <p:sp>
-        <p:nvSpPr>
-          <p:cNvPr id="12" name="CaixaDeTexto 11">
-            <a:extLst>
-              <a:ext uri="{FF2B5EF4-FFF2-40B4-BE49-F238E27FC236}">
-                <a16:creationId xmlns:a16="http://schemas.microsoft.com/office/drawing/2014/main" id="{0504F15F-00C9-8C55-2E5C-0B882292672C}"/>
-              </a:ext>
-            </a:extLst>
-          </p:cNvPr>
-          <p:cNvSpPr txBox="1"/>
-          <p:nvPr/>
-        </p:nvSpPr>
-        <p:spPr>
-          <a:xfrm>
-            <a:off x="277952" y="6147789"/>
-            <a:ext cx="3730509" cy="369332"/>
-          </a:xfrm>
-          <a:prstGeom prst="rect">
-            <a:avLst/>
-          </a:prstGeom>
-          <a:noFill/>
-        </p:spPr>
-        <p:txBody>
-          <a:bodyPr wrap="none" rtlCol="0">
-            <a:spAutoFit/>
-          </a:bodyPr>
-          <a:lstStyle/>
-          <a:p>
-            <a:pPr algn="ctr"/>
-            <a:r>
-              <a:rPr lang="pt-BR" dirty="0" err="1">
-                <a:solidFill>
-                  <a:srgbClr val="FFFF00"/>
-                </a:solidFill>
-                <a:latin typeface="Consolas" panose="020B0609020204030204" pitchFamily="49" charset="0"/>
-              </a:rPr>
-              <a:t>PlayerPosY</a:t>
-            </a:r>
-            <a:r>
-              <a:rPr lang="pt-BR" dirty="0">
-                <a:solidFill>
-                  <a:srgbClr val="FFFF00"/>
-                </a:solidFill>
-                <a:latin typeface="Consolas" panose="020B0609020204030204" pitchFamily="49" charset="0"/>
-              </a:rPr>
-              <a:t> - </a:t>
-            </a:r>
-            <a:r>
-              <a:rPr lang="pt-BR" dirty="0" err="1">
-                <a:solidFill>
-                  <a:srgbClr val="FFFF00"/>
-                </a:solidFill>
-                <a:latin typeface="Consolas" panose="020B0609020204030204" pitchFamily="49" charset="0"/>
-              </a:rPr>
-              <a:t>PlayerSizeY</a:t>
-            </a:r>
-            <a:r>
-              <a:rPr lang="pt-BR" dirty="0">
-                <a:solidFill>
-                  <a:srgbClr val="FFFF00"/>
-                </a:solidFill>
-                <a:latin typeface="Consolas" panose="020B0609020204030204" pitchFamily="49" charset="0"/>
-              </a:rPr>
-              <a:t> / 2</a:t>
-            </a:r>
-          </a:p>
-        </p:txBody>
-      </p:sp>
-    </p:spTree>
-    <p:extLst>
-      <p:ext uri="{BB962C8B-B14F-4D97-AF65-F5344CB8AC3E}">
-        <p14:creationId xmlns:p14="http://schemas.microsoft.com/office/powerpoint/2010/main" val="3060868072"/>
       </p:ext>
     </p:extLst>
   </p:cSld>
